--- a/Week 5/05 - 2 - Intro to CNNs.pptx
+++ b/Week 5/05 - 2 - Intro to CNNs.pptx
@@ -5,7 +5,7 @@
     <p:sldMasterId id="2147483648" r:id="rId1"/>
   </p:sldMasterIdLst>
   <p:notesMasterIdLst>
-    <p:notesMasterId r:id="rId23"/>
+    <p:notesMasterId r:id="rId22"/>
   </p:notesMasterIdLst>
   <p:sldIdLst>
     <p:sldId id="256" r:id="rId2"/>
@@ -27,8 +27,7 @@
     <p:sldId id="428" r:id="rId18"/>
     <p:sldId id="432" r:id="rId19"/>
     <p:sldId id="389" r:id="rId20"/>
-    <p:sldId id="398" r:id="rId21"/>
-    <p:sldId id="413" r:id="rId22"/>
+    <p:sldId id="413" r:id="rId21"/>
   </p:sldIdLst>
   <p:sldSz cx="12192000" cy="6858000"/>
   <p:notesSz cx="6858000" cy="9144000"/>
@@ -217,7 +216,7 @@
           <a:p>
             <a:fld id="{EFA659FB-0419-C24D-A6C0-9A1B475B1E65}" type="datetimeFigureOut">
               <a:rPr lang="en-US" smtClean="0"/>
-              <a:t>2/6/22</a:t>
+              <a:t>2/14/22</a:t>
             </a:fld>
             <a:endParaRPr lang="en-US"/>
           </a:p>
@@ -791,7 +790,11 @@
           <a:p>
             <a:r>
               <a:rPr lang="en-US" dirty="0"/>
-              <a:t>Note that I don’t expect you to implement a neural network from scratch. This is just to give you an understanding of how they work. </a:t>
+              <a:t>Weights are not initialized until you “build” the model (or compile it, which will </a:t>
+            </a:r>
+            <a:r>
+              <a:rPr lang="en-US"/>
+              <a:t>first build). </a:t>
             </a:r>
           </a:p>
         </p:txBody>
@@ -814,97 +817,6 @@
             <a:fld id="{E707AF2C-A832-324A-A13C-3791A9476477}" type="slidenum">
               <a:rPr lang="en-US" smtClean="0"/>
               <a:t>20</a:t>
-            </a:fld>
-            <a:endParaRPr lang="en-US"/>
-          </a:p>
-        </p:txBody>
-      </p:sp>
-    </p:spTree>
-    <p:extLst>
-      <p:ext uri="{BB962C8B-B14F-4D97-AF65-F5344CB8AC3E}">
-        <p14:creationId xmlns:p14="http://schemas.microsoft.com/office/powerpoint/2010/main" val="3658913265"/>
-      </p:ext>
-    </p:extLst>
-  </p:cSld>
-  <p:clrMapOvr>
-    <a:masterClrMapping/>
-  </p:clrMapOvr>
-</p:notes>
-</file>
-
-<file path=ppt/notesSlides/notesSlide13.xml><?xml version="1.0" encoding="utf-8"?>
-<p:notes xmlns:a="http://schemas.openxmlformats.org/drawingml/2006/main" xmlns:r="http://schemas.openxmlformats.org/officeDocument/2006/relationships" xmlns:p="http://schemas.openxmlformats.org/presentationml/2006/main">
-  <p:cSld>
-    <p:spTree>
-      <p:nvGrpSpPr>
-        <p:cNvPr id="1" name=""/>
-        <p:cNvGrpSpPr/>
-        <p:nvPr/>
-      </p:nvGrpSpPr>
-      <p:grpSpPr>
-        <a:xfrm>
-          <a:off x="0" y="0"/>
-          <a:ext cx="0" cy="0"/>
-          <a:chOff x="0" y="0"/>
-          <a:chExt cx="0" cy="0"/>
-        </a:xfrm>
-      </p:grpSpPr>
-      <p:sp>
-        <p:nvSpPr>
-          <p:cNvPr id="2" name="Slide Image Placeholder 1"/>
-          <p:cNvSpPr>
-            <a:spLocks noGrp="1" noRot="1" noChangeAspect="1"/>
-          </p:cNvSpPr>
-          <p:nvPr>
-            <p:ph type="sldImg"/>
-          </p:nvPr>
-        </p:nvSpPr>
-        <p:spPr/>
-      </p:sp>
-      <p:sp>
-        <p:nvSpPr>
-          <p:cNvPr id="3" name="Notes Placeholder 2"/>
-          <p:cNvSpPr>
-            <a:spLocks noGrp="1"/>
-          </p:cNvSpPr>
-          <p:nvPr>
-            <p:ph type="body" idx="1"/>
-          </p:nvPr>
-        </p:nvSpPr>
-        <p:spPr/>
-        <p:txBody>
-          <a:bodyPr/>
-          <a:lstStyle/>
-          <a:p>
-            <a:r>
-              <a:rPr lang="en-US" dirty="0"/>
-              <a:t>Weights are not initialized until you “build” the model (or compile it, which will </a:t>
-            </a:r>
-            <a:r>
-              <a:rPr lang="en-US"/>
-              <a:t>first build). </a:t>
-            </a:r>
-          </a:p>
-        </p:txBody>
-      </p:sp>
-      <p:sp>
-        <p:nvSpPr>
-          <p:cNvPr id="4" name="Slide Number Placeholder 3"/>
-          <p:cNvSpPr>
-            <a:spLocks noGrp="1"/>
-          </p:cNvSpPr>
-          <p:nvPr>
-            <p:ph type="sldNum" sz="quarter" idx="5"/>
-          </p:nvPr>
-        </p:nvSpPr>
-        <p:spPr/>
-        <p:txBody>
-          <a:bodyPr/>
-          <a:lstStyle/>
-          <a:p>
-            <a:fld id="{E707AF2C-A832-324A-A13C-3791A9476477}" type="slidenum">
-              <a:rPr lang="en-US" smtClean="0"/>
-              <a:t>21</a:t>
             </a:fld>
             <a:endParaRPr lang="en-US"/>
           </a:p>
@@ -1973,7 +1885,7 @@
           <a:p>
             <a:fld id="{87C2F797-6DFD-C74C-BA29-8B3CE1E6C725}" type="datetime1">
               <a:rPr lang="en-US" smtClean="0"/>
-              <a:t>2/6/22</a:t>
+              <a:t>2/14/22</a:t>
             </a:fld>
             <a:endParaRPr lang="en-US"/>
           </a:p>
@@ -2181,7 +2093,7 @@
           <a:p>
             <a:fld id="{64FE1960-B74B-0949-9DEF-CBE661CB7825}" type="datetime1">
               <a:rPr lang="en-US" smtClean="0"/>
-              <a:t>2/6/22</a:t>
+              <a:t>2/14/22</a:t>
             </a:fld>
             <a:endParaRPr lang="en-US"/>
           </a:p>
@@ -2379,7 +2291,7 @@
           <a:p>
             <a:fld id="{91871F70-41C7-F44D-9284-EB301E270CC7}" type="datetime1">
               <a:rPr lang="en-US" smtClean="0"/>
-              <a:t>2/6/22</a:t>
+              <a:t>2/14/22</a:t>
             </a:fld>
             <a:endParaRPr lang="en-US"/>
           </a:p>
@@ -2692,7 +2604,7 @@
           <a:p>
             <a:fld id="{E33F645A-02C2-AF41-9FDB-389E34E8B990}" type="datetime1">
               <a:rPr lang="en-US" smtClean="0"/>
-              <a:t>2/6/22</a:t>
+              <a:t>2/14/22</a:t>
             </a:fld>
             <a:endParaRPr lang="en-US"/>
           </a:p>
@@ -2957,7 +2869,7 @@
           <a:p>
             <a:fld id="{AB873A4C-DE8A-2F49-8ABE-1735EE515528}" type="datetime1">
               <a:rPr lang="en-US" smtClean="0"/>
-              <a:t>2/6/22</a:t>
+              <a:t>2/14/22</a:t>
             </a:fld>
             <a:endParaRPr lang="en-US"/>
           </a:p>
@@ -3369,7 +3281,7 @@
           <a:p>
             <a:fld id="{7DA13BA6-E929-9643-AF0C-C0B90BC6EAC0}" type="datetime1">
               <a:rPr lang="en-US" smtClean="0"/>
-              <a:t>2/6/22</a:t>
+              <a:t>2/14/22</a:t>
             </a:fld>
             <a:endParaRPr lang="en-US"/>
           </a:p>
@@ -3510,7 +3422,7 @@
           <a:p>
             <a:fld id="{1062371E-C5A0-7448-8CF8-A797D242C61D}" type="datetime1">
               <a:rPr lang="en-US" smtClean="0"/>
-              <a:t>2/6/22</a:t>
+              <a:t>2/14/22</a:t>
             </a:fld>
             <a:endParaRPr lang="en-US"/>
           </a:p>
@@ -3623,7 +3535,7 @@
           <a:p>
             <a:fld id="{33C9D714-59A4-C649-915B-E960BF4AC878}" type="datetime1">
               <a:rPr lang="en-US" smtClean="0"/>
-              <a:t>2/6/22</a:t>
+              <a:t>2/14/22</a:t>
             </a:fld>
             <a:endParaRPr lang="en-US"/>
           </a:p>
@@ -3934,7 +3846,7 @@
           <a:p>
             <a:fld id="{3951679C-160D-1F41-A3C3-54837256FB50}" type="datetime1">
               <a:rPr lang="en-US" smtClean="0"/>
-              <a:t>2/6/22</a:t>
+              <a:t>2/14/22</a:t>
             </a:fld>
             <a:endParaRPr lang="en-US"/>
           </a:p>
@@ -4222,7 +4134,7 @@
           <a:p>
             <a:fld id="{296B5A14-0E14-114B-AA5F-546D4BF7B2DC}" type="datetime1">
               <a:rPr lang="en-US" smtClean="0"/>
-              <a:t>2/6/22</a:t>
+              <a:t>2/14/22</a:t>
             </a:fld>
             <a:endParaRPr lang="en-US"/>
           </a:p>
@@ -4463,7 +4375,7 @@
           <a:p>
             <a:fld id="{1A75E9CF-B19A-3C42-99C1-DBC4AFBA0816}" type="datetime1">
               <a:rPr lang="en-US" smtClean="0"/>
-              <a:t>2/6/22</a:t>
+              <a:t>2/14/22</a:t>
             </a:fld>
             <a:endParaRPr lang="en-US"/>
           </a:p>
@@ -7225,7 +7137,7 @@
         <p:spPr>
           <a:xfrm>
             <a:off x="1087814" y="1348800"/>
-            <a:ext cx="10016362" cy="4770537"/>
+            <a:ext cx="10016362" cy="4493538"/>
           </a:xfrm>
           <a:prstGeom prst="rect">
             <a:avLst/>
@@ -7342,7 +7254,7 @@
               <a:rPr lang="en-US" dirty="0">
                 <a:latin typeface="Quicksand" pitchFamily="2" charset="77"/>
               </a:rPr>
-              <a:t>Tune the model; describe what ‘experiments’ you ran exploring different configurations and report ultimate performance. You should some sort of validation sample here (e.g., cold be cross-validated).</a:t>
+              <a:t>Tune the model; describe what ‘experiments’ you ran exploring different configurations and report ultimate performance. You should work some sort of holdout sample here (e.g., cross-validation).</a:t>
             </a:r>
           </a:p>
           <a:p>
@@ -7566,299 +7478,6 @@
 </file>
 
 <file path=ppt/slides/slide20.xml><?xml version="1.0" encoding="utf-8"?>
-<p:sld xmlns:a="http://schemas.openxmlformats.org/drawingml/2006/main" xmlns:r="http://schemas.openxmlformats.org/officeDocument/2006/relationships" xmlns:p="http://schemas.openxmlformats.org/presentationml/2006/main">
-  <p:cSld>
-    <p:spTree>
-      <p:nvGrpSpPr>
-        <p:cNvPr id="1" name=""/>
-        <p:cNvGrpSpPr/>
-        <p:nvPr/>
-      </p:nvGrpSpPr>
-      <p:grpSpPr>
-        <a:xfrm>
-          <a:off x="0" y="0"/>
-          <a:ext cx="0" cy="0"/>
-          <a:chOff x="0" y="0"/>
-          <a:chExt cx="0" cy="0"/>
-        </a:xfrm>
-      </p:grpSpPr>
-      <p:sp>
-        <p:nvSpPr>
-          <p:cNvPr id="4" name="Slide Number Placeholder 3">
-            <a:extLst>
-              <a:ext uri="{FF2B5EF4-FFF2-40B4-BE49-F238E27FC236}">
-                <a16:creationId xmlns:a16="http://schemas.microsoft.com/office/drawing/2014/main" id="{B95F40EE-9804-E646-91D8-B0E8BABE2CA1}"/>
-              </a:ext>
-            </a:extLst>
-          </p:cNvPr>
-          <p:cNvSpPr>
-            <a:spLocks noGrp="1"/>
-          </p:cNvSpPr>
-          <p:nvPr>
-            <p:ph type="sldNum" sz="quarter" idx="12"/>
-          </p:nvPr>
-        </p:nvSpPr>
-        <p:spPr/>
-        <p:txBody>
-          <a:bodyPr/>
-          <a:lstStyle/>
-          <a:p>
-            <a:fld id="{5F85BDAF-76E7-5E4A-80A9-F732B06DC713}" type="slidenum">
-              <a:rPr lang="en-US" smtClean="0"/>
-              <a:t>20</a:t>
-            </a:fld>
-            <a:endParaRPr lang="en-US"/>
-          </a:p>
-        </p:txBody>
-      </p:sp>
-      <p:sp>
-        <p:nvSpPr>
-          <p:cNvPr id="5" name="TextBox 4">
-            <a:extLst>
-              <a:ext uri="{FF2B5EF4-FFF2-40B4-BE49-F238E27FC236}">
-                <a16:creationId xmlns:a16="http://schemas.microsoft.com/office/drawing/2014/main" id="{1E6A2E3F-A0C1-A747-BCD2-D14405121F1A}"/>
-              </a:ext>
-            </a:extLst>
-          </p:cNvPr>
-          <p:cNvSpPr txBox="1"/>
-          <p:nvPr/>
-        </p:nvSpPr>
-        <p:spPr>
-          <a:xfrm>
-            <a:off x="1267235" y="280722"/>
-            <a:ext cx="9657521" cy="923330"/>
-          </a:xfrm>
-          <a:prstGeom prst="rect">
-            <a:avLst/>
-          </a:prstGeom>
-          <a:noFill/>
-        </p:spPr>
-        <p:txBody>
-          <a:bodyPr wrap="square" rtlCol="0">
-            <a:spAutoFit/>
-          </a:bodyPr>
-          <a:lstStyle/>
-          <a:p>
-            <a:pPr algn="ctr"/>
-            <a:r>
-              <a:rPr lang="en-US" sz="5400" dirty="0">
-                <a:latin typeface="Economica" panose="02000506040000020004" pitchFamily="2" charset="77"/>
-              </a:rPr>
-              <a:t>Homework Rubric</a:t>
-            </a:r>
-          </a:p>
-        </p:txBody>
-      </p:sp>
-      <p:sp>
-        <p:nvSpPr>
-          <p:cNvPr id="6" name="TextBox 5">
-            <a:extLst>
-              <a:ext uri="{FF2B5EF4-FFF2-40B4-BE49-F238E27FC236}">
-                <a16:creationId xmlns:a16="http://schemas.microsoft.com/office/drawing/2014/main" id="{F15AD46E-0C49-994E-8DEB-65F7193016B6}"/>
-              </a:ext>
-            </a:extLst>
-          </p:cNvPr>
-          <p:cNvSpPr txBox="1"/>
-          <p:nvPr/>
-        </p:nvSpPr>
-        <p:spPr>
-          <a:xfrm>
-            <a:off x="1087814" y="1335385"/>
-            <a:ext cx="10016362" cy="5386090"/>
-          </a:xfrm>
-          <a:prstGeom prst="rect">
-            <a:avLst/>
-          </a:prstGeom>
-          <a:noFill/>
-        </p:spPr>
-        <p:txBody>
-          <a:bodyPr wrap="square" rtlCol="0">
-            <a:spAutoFit/>
-          </a:bodyPr>
-          <a:lstStyle/>
-          <a:p>
-            <a:r>
-              <a:rPr lang="en-US" sz="1600" b="1" dirty="0">
-                <a:latin typeface="Quicksand" pitchFamily="2" charset="77"/>
-              </a:rPr>
-              <a:t>Formatting (5%)</a:t>
-            </a:r>
-            <a:endParaRPr lang="en-US" sz="1600" dirty="0">
-              <a:latin typeface="Quicksand" pitchFamily="2" charset="77"/>
-            </a:endParaRPr>
-          </a:p>
-          <a:p>
-            <a:pPr marL="628650" lvl="1" indent="-171450">
-              <a:buFont typeface="Arial" panose="020B0604020202020204" pitchFamily="34" charset="0"/>
-              <a:buChar char="•"/>
-            </a:pPr>
-            <a:r>
-              <a:rPr lang="en-US" sz="1600" dirty="0">
-                <a:latin typeface="Quicksand" pitchFamily="2" charset="77"/>
-              </a:rPr>
-              <a:t>You should format your notebook, to present results in a clean and sequential way, with heavy commenting and/or textual explanation, as well as visualizations, to make your points clearly.</a:t>
-            </a:r>
-          </a:p>
-          <a:p>
-            <a:pPr marL="628650" lvl="1" indent="-171450">
-              <a:buFont typeface="Arial" panose="020B0604020202020204" pitchFamily="34" charset="0"/>
-              <a:buChar char="•"/>
-            </a:pPr>
-            <a:endParaRPr lang="en-US" sz="1600" dirty="0">
-              <a:latin typeface="Quicksand" pitchFamily="2" charset="77"/>
-            </a:endParaRPr>
-          </a:p>
-          <a:p>
-            <a:r>
-              <a:rPr lang="en-US" sz="1600" b="1" dirty="0">
-                <a:latin typeface="Quicksand" pitchFamily="2" charset="77"/>
-              </a:rPr>
-              <a:t>Data Processing / Preparation (5%)</a:t>
-            </a:r>
-          </a:p>
-          <a:p>
-            <a:pPr marL="635000" lvl="1" indent="-173038">
-              <a:buFont typeface="Arial" panose="020B0604020202020204" pitchFamily="34" charset="0"/>
-              <a:buChar char="•"/>
-            </a:pPr>
-            <a:r>
-              <a:rPr lang="en-US" sz="1600" dirty="0">
-                <a:latin typeface="Quicksand" pitchFamily="2" charset="77"/>
-              </a:rPr>
-              <a:t>Did you retain all features, or did you rely on a subset? Did you drop any features? If so, why?</a:t>
-            </a:r>
-          </a:p>
-          <a:p>
-            <a:pPr marL="635000" lvl="1" indent="-173038">
-              <a:buFont typeface="Arial" panose="020B0604020202020204" pitchFamily="34" charset="0"/>
-              <a:buChar char="•"/>
-            </a:pPr>
-            <a:r>
-              <a:rPr lang="en-US" sz="1600" dirty="0">
-                <a:latin typeface="Quicksand" pitchFamily="2" charset="77"/>
-              </a:rPr>
-              <a:t>Did you pre-process the data in any way? </a:t>
-            </a:r>
-          </a:p>
-          <a:p>
-            <a:pPr marL="635000" lvl="1" indent="-173038">
-              <a:buFont typeface="Arial" panose="020B0604020202020204" pitchFamily="34" charset="0"/>
-              <a:buChar char="•"/>
-            </a:pPr>
-            <a:r>
-              <a:rPr lang="en-US" sz="1600" dirty="0">
-                <a:latin typeface="Quicksand" pitchFamily="2" charset="77"/>
-              </a:rPr>
-              <a:t>Did you do any feature construction? If so, what did you add? </a:t>
-            </a:r>
-            <a:r>
-              <a:rPr lang="en-US" sz="1600" i="1" dirty="0">
-                <a:latin typeface="Quicksand" pitchFamily="2" charset="77"/>
-              </a:rPr>
-              <a:t>Note: I’m not saying you need to do this, just document it if you did.</a:t>
-            </a:r>
-          </a:p>
-          <a:p>
-            <a:pPr marL="171450" indent="-171450">
-              <a:buFont typeface="Arial" panose="020B0604020202020204" pitchFamily="34" charset="0"/>
-              <a:buChar char="•"/>
-            </a:pPr>
-            <a:endParaRPr lang="en-US" sz="1200" dirty="0">
-              <a:latin typeface="Quicksand" pitchFamily="2" charset="77"/>
-            </a:endParaRPr>
-          </a:p>
-          <a:p>
-            <a:r>
-              <a:rPr lang="en-US" sz="1600" b="1" dirty="0">
-                <a:latin typeface="Quicksand" pitchFamily="2" charset="77"/>
-              </a:rPr>
-              <a:t>Model Definition &amp; Calibration (10%)</a:t>
-            </a:r>
-          </a:p>
-          <a:p>
-            <a:pPr marL="635000" lvl="1" indent="-173038">
-              <a:buFont typeface="Arial" panose="020B0604020202020204" pitchFamily="34" charset="0"/>
-              <a:buChar char="•"/>
-            </a:pPr>
-            <a:r>
-              <a:rPr lang="en-US" sz="1600" dirty="0">
-                <a:latin typeface="Quicksand" pitchFamily="2" charset="77"/>
-              </a:rPr>
-              <a:t>How did you structure your network? What activation functions did you employ? What loss function did you use and why? (Consider drawing a picture of your network topology). </a:t>
-            </a:r>
-          </a:p>
-          <a:p>
-            <a:pPr marL="635000" lvl="1" indent="-173038">
-              <a:buFont typeface="Arial" panose="020B0604020202020204" pitchFamily="34" charset="0"/>
-              <a:buChar char="•"/>
-            </a:pPr>
-            <a:r>
-              <a:rPr lang="en-US" sz="1600" dirty="0">
-                <a:latin typeface="Quicksand" pitchFamily="2" charset="77"/>
-              </a:rPr>
-              <a:t>What parameters did you tune, if any, and what values did you ultimately select? Note: I don’t expect you to be exhaustive in model tuning; explore a few parameters, e.g., epochs, node volumes, number of layers, different activation functions.  </a:t>
-            </a:r>
-          </a:p>
-          <a:p>
-            <a:pPr marL="4762"/>
-            <a:endParaRPr lang="en-US" sz="1600" dirty="0">
-              <a:latin typeface="Quicksand" pitchFamily="2" charset="77"/>
-            </a:endParaRPr>
-          </a:p>
-          <a:p>
-            <a:pPr marL="4762"/>
-            <a:r>
-              <a:rPr lang="en-US" sz="1600" b="1" dirty="0">
-                <a:latin typeface="Quicksand" pitchFamily="2" charset="77"/>
-              </a:rPr>
-              <a:t>Model Evaluation (5%)</a:t>
-            </a:r>
-          </a:p>
-          <a:p>
-            <a:pPr marL="747712" lvl="1" indent="-285750">
-              <a:buFont typeface="Arial" panose="020B0604020202020204" pitchFamily="34" charset="0"/>
-              <a:buChar char="•"/>
-            </a:pPr>
-            <a:r>
-              <a:rPr lang="en-US" sz="1600" dirty="0">
-                <a:latin typeface="Quicksand" pitchFamily="2" charset="77"/>
-              </a:rPr>
-              <a:t>Did you implement any steps to avoid overfitting? How does your model perform on holdout sample. </a:t>
-            </a:r>
-          </a:p>
-          <a:p>
-            <a:pPr marL="747712" lvl="1" indent="-285750">
-              <a:buFont typeface="Arial" panose="020B0604020202020204" pitchFamily="34" charset="0"/>
-              <a:buChar char="•"/>
-            </a:pPr>
-            <a:r>
-              <a:rPr lang="en-US" sz="1600" dirty="0">
-                <a:latin typeface="Quicksand" pitchFamily="2" charset="77"/>
-              </a:rPr>
-              <a:t>Notes: I am keeping aside a few hundred observations that I will not share with you until after the homework is graded. I will evaluate models based on mean absolute error. </a:t>
-            </a:r>
-          </a:p>
-          <a:p>
-            <a:endParaRPr lang="en-US" sz="1200" dirty="0">
-              <a:latin typeface="Quicksand" pitchFamily="2" charset="77"/>
-            </a:endParaRPr>
-          </a:p>
-        </p:txBody>
-      </p:sp>
-    </p:spTree>
-    <p:extLst>
-      <p:ext uri="{BB962C8B-B14F-4D97-AF65-F5344CB8AC3E}">
-        <p14:creationId xmlns:p14="http://schemas.microsoft.com/office/powerpoint/2010/main" val="2944714819"/>
-      </p:ext>
-    </p:extLst>
-  </p:cSld>
-  <p:clrMapOvr>
-    <a:masterClrMapping/>
-  </p:clrMapOvr>
-</p:sld>
-</file>
-
-<file path=ppt/slides/slide21.xml><?xml version="1.0" encoding="utf-8"?>
 <p:sld xmlns:a="http://schemas.openxmlformats.org/drawingml/2006/main" xmlns:r="http://schemas.openxmlformats.org/officeDocument/2006/relationships" xmlns:p="http://schemas.openxmlformats.org/presentationml/2006/main">
   <p:cSld>
     <p:spTree>
